--- a/2020년 11월 20일 발표.pptx
+++ b/2020년 11월 20일 발표.pptx
@@ -5,7 +5,7 @@
     <p:sldMasterId id="2147483648" r:id="rId1"/>
   </p:sldMasterIdLst>
   <p:notesMasterIdLst>
-    <p:notesMasterId r:id="rId31"/>
+    <p:notesMasterId r:id="rId27"/>
   </p:notesMasterIdLst>
   <p:sldIdLst>
     <p:sldId id="273" r:id="rId2"/>
@@ -33,10 +33,6 @@
     <p:sldId id="291" r:id="rId24"/>
     <p:sldId id="292" r:id="rId25"/>
     <p:sldId id="293" r:id="rId26"/>
-    <p:sldId id="281" r:id="rId27"/>
-    <p:sldId id="271" r:id="rId28"/>
-    <p:sldId id="268" r:id="rId29"/>
-    <p:sldId id="272" r:id="rId30"/>
   </p:sldIdLst>
   <p:sldSz cx="9144000" cy="6858000" type="screen4x3"/>
   <p:notesSz cx="6858000" cy="9144000"/>
@@ -485,120 +481,6 @@
     </a:lvl9pPr>
   </p:notesStyle>
 </p:notesMaster>
-</file>
-
-<file path=ppt/notesSlides/notesSlide1.xml><?xml version="1.0" encoding="utf-8"?>
-<p:notes xmlns:a="http://schemas.openxmlformats.org/drawingml/2006/main" xmlns:r="http://schemas.openxmlformats.org/officeDocument/2006/relationships" xmlns:p="http://schemas.openxmlformats.org/presentationml/2006/main">
-  <p:cSld>
-    <p:spTree>
-      <p:nvGrpSpPr>
-        <p:cNvPr id="1" name=""/>
-        <p:cNvGrpSpPr/>
-        <p:nvPr/>
-      </p:nvGrpSpPr>
-      <p:grpSpPr>
-        <a:xfrm>
-          <a:off x="0" y="0"/>
-          <a:ext cx="0" cy="0"/>
-          <a:chOff x="0" y="0"/>
-          <a:chExt cx="0" cy="0"/>
-        </a:xfrm>
-      </p:grpSpPr>
-      <p:sp>
-        <p:nvSpPr>
-          <p:cNvPr id="2" name="슬라이드 이미지 개체 틀 1"/>
-          <p:cNvSpPr>
-            <a:spLocks noGrp="1" noRot="1" noChangeAspect="1"/>
-          </p:cNvSpPr>
-          <p:nvPr>
-            <p:ph type="sldImg"/>
-          </p:nvPr>
-        </p:nvSpPr>
-        <p:spPr/>
-      </p:sp>
-      <p:sp>
-        <p:nvSpPr>
-          <p:cNvPr id="3" name="슬라이드 노트 개체 틀 2"/>
-          <p:cNvSpPr>
-            <a:spLocks noGrp="1"/>
-          </p:cNvSpPr>
-          <p:nvPr>
-            <p:ph type="body" idx="1"/>
-          </p:nvPr>
-        </p:nvSpPr>
-        <p:spPr/>
-        <p:txBody>
-          <a:bodyPr>
-            <a:normAutofit/>
-          </a:bodyPr>
-          <a:lstStyle/>
-          <a:p>
-            <a:r>
-              <a:rPr lang="ko-KR" altLang="en-US" dirty="0" smtClean="0"/>
-              <a:t>실제 제대로 하려면</a:t>
-            </a:r>
-            <a:r>
-              <a:rPr lang="en-US" altLang="ko-KR" dirty="0" smtClean="0"/>
-              <a:t>, </a:t>
-            </a:r>
-            <a:r>
-              <a:rPr lang="ko-KR" altLang="en-US" dirty="0" smtClean="0"/>
-              <a:t>여기까지 고려해줘야 하는데</a:t>
-            </a:r>
-            <a:r>
-              <a:rPr lang="en-US" altLang="ko-KR" dirty="0" smtClean="0"/>
-              <a:t>, </a:t>
-            </a:r>
-            <a:r>
-              <a:rPr lang="ko-KR" altLang="en-US" dirty="0" smtClean="0"/>
-              <a:t>자동으로 왜곡계수를 보정해주는 프로그램이 존재하면</a:t>
-            </a:r>
-            <a:r>
-              <a:rPr lang="en-US" altLang="ko-KR" dirty="0" smtClean="0"/>
-              <a:t>, </a:t>
-            </a:r>
-            <a:r>
-              <a:rPr lang="ko-KR" altLang="en-US" dirty="0" smtClean="0"/>
-              <a:t>이 단계는 건너뛰어도 된다</a:t>
-            </a:r>
-            <a:r>
-              <a:rPr lang="en-US" altLang="ko-KR" smtClean="0"/>
-              <a:t>.</a:t>
-            </a:r>
-            <a:endParaRPr lang="ko-KR" altLang="en-US" dirty="0"/>
-          </a:p>
-        </p:txBody>
-      </p:sp>
-      <p:sp>
-        <p:nvSpPr>
-          <p:cNvPr id="4" name="슬라이드 번호 개체 틀 3"/>
-          <p:cNvSpPr>
-            <a:spLocks noGrp="1"/>
-          </p:cNvSpPr>
-          <p:nvPr>
-            <p:ph type="sldNum" sz="quarter" idx="10"/>
-          </p:nvPr>
-        </p:nvSpPr>
-        <p:spPr/>
-        <p:txBody>
-          <a:bodyPr/>
-          <a:lstStyle/>
-          <a:p>
-            <a:fld id="{485D3622-853D-4CE7-B4DA-C82D2D8D5150}" type="slidenum">
-              <a:rPr lang="ko-KR" altLang="en-US" smtClean="0"/>
-              <a:pPr/>
-              <a:t>29</a:t>
-            </a:fld>
-            <a:endParaRPr lang="ko-KR" altLang="en-US"/>
-          </a:p>
-        </p:txBody>
-      </p:sp>
-    </p:spTree>
-  </p:cSld>
-  <p:clrMapOvr>
-    <a:masterClrMapping/>
-  </p:clrMapOvr>
-</p:notes>
 </file>
 
 <file path=ppt/slideLayouts/slideLayout1.xml><?xml version="1.0" encoding="utf-8"?>
@@ -4773,8 +4655,8 @@
         </p:nvSpPr>
         <p:spPr>
           <a:xfrm>
-            <a:off x="6708718" y="4725144"/>
-            <a:ext cx="2544799" cy="307777"/>
+            <a:off x="6557523" y="4725144"/>
+            <a:ext cx="2586477" cy="307777"/>
           </a:xfrm>
           <a:prstGeom prst="rect">
             <a:avLst/>
@@ -4788,7 +4670,11 @@
           <a:p>
             <a:r>
               <a:rPr lang="en-US" altLang="ko-KR" sz="1400" dirty="0" smtClean="0"/>
-              <a:t>P’(</a:t>
+              <a:t>P</a:t>
+            </a:r>
+            <a:r>
+              <a:rPr lang="en-US" altLang="ko-KR" sz="1400" dirty="0" smtClean="0"/>
+              <a:t>’’(</a:t>
             </a:r>
             <a:r>
               <a:rPr lang="pl-PL" altLang="ko-KR" sz="1400" dirty="0" smtClean="0"/>
@@ -4804,11 +4690,7 @@
             </a:r>
             <a:r>
               <a:rPr lang="en-US" altLang="ko-KR" sz="1400" dirty="0" smtClean="0"/>
-              <a:t>, </a:t>
-            </a:r>
-            <a:r>
-              <a:rPr lang="en-US" altLang="ko-KR" sz="1400" dirty="0" smtClean="0"/>
-              <a:t>f)</a:t>
+              <a:t>, f)</a:t>
             </a:r>
             <a:endParaRPr lang="ko-KR" altLang="en-US" sz="1400" dirty="0"/>
           </a:p>
@@ -5393,11 +5275,7 @@
             </a:r>
             <a:r>
               <a:rPr lang="en-US" altLang="ko-KR" sz="1400" dirty="0" smtClean="0"/>
-              <a:t>, </a:t>
-            </a:r>
-            <a:r>
-              <a:rPr lang="en-US" altLang="ko-KR" sz="1400" dirty="0" smtClean="0"/>
-              <a:t>f)</a:t>
+              <a:t>, f)</a:t>
             </a:r>
             <a:endParaRPr lang="ko-KR" altLang="en-US" sz="1400" dirty="0"/>
           </a:p>
@@ -5733,11 +5611,7 @@
             </a:r>
             <a:r>
               <a:rPr lang="en-US" altLang="ko-KR" sz="1400" dirty="0" smtClean="0"/>
-              <a:t>, </a:t>
-            </a:r>
-            <a:r>
-              <a:rPr lang="en-US" altLang="ko-KR" sz="1400" dirty="0" smtClean="0"/>
-              <a:t>f) -&gt; P’’(x, y, z)</a:t>
+              <a:t>, f) -&gt; P’’(x, y, z)</a:t>
             </a:r>
             <a:endParaRPr lang="ko-KR" altLang="en-US" sz="1400" dirty="0"/>
           </a:p>
@@ -5878,15 +5752,7 @@
           <a:p>
             <a:r>
               <a:rPr lang="en-US" altLang="ko-KR" sz="1400" dirty="0" smtClean="0"/>
-              <a:t>P’(</a:t>
-            </a:r>
-            <a:r>
-              <a:rPr lang="en-US" altLang="ko-KR" sz="1400" dirty="0" smtClean="0"/>
-              <a:t>(</a:t>
-            </a:r>
-            <a:r>
-              <a:rPr lang="en-US" altLang="ko-KR" sz="1400" dirty="0" smtClean="0"/>
-              <a:t>x-</a:t>
+              <a:t>P’((x-</a:t>
             </a:r>
             <a:r>
               <a:rPr lang="en-US" altLang="ko-KR" sz="1400" dirty="0" err="1" smtClean="0"/>
@@ -6159,15 +6025,7 @@
           <a:p>
             <a:r>
               <a:rPr lang="en-US" altLang="ko-KR" sz="1400" dirty="0" smtClean="0"/>
-              <a:t>P(</a:t>
-            </a:r>
-            <a:r>
-              <a:rPr lang="en-US" altLang="ko-KR" sz="1400" dirty="0" smtClean="0"/>
-              <a:t>(</a:t>
-            </a:r>
-            <a:r>
-              <a:rPr lang="en-US" altLang="ko-KR" sz="1400" dirty="0" smtClean="0"/>
-              <a:t>x-</a:t>
+              <a:t>P((x-</a:t>
             </a:r>
             <a:r>
               <a:rPr lang="en-US" altLang="ko-KR" sz="1400" dirty="0" err="1" smtClean="0"/>
@@ -6424,15 +6282,7 @@
           <a:p>
             <a:r>
               <a:rPr lang="en-US" altLang="ko-KR" sz="1400" dirty="0" smtClean="0"/>
-              <a:t>P(Z*</a:t>
-            </a:r>
-            <a:r>
-              <a:rPr lang="en-US" altLang="ko-KR" sz="1400" dirty="0" smtClean="0"/>
-              <a:t>(</a:t>
-            </a:r>
-            <a:r>
-              <a:rPr lang="en-US" altLang="ko-KR" sz="1400" dirty="0" smtClean="0"/>
-              <a:t>x-</a:t>
+              <a:t>P(Z*(x-</a:t>
             </a:r>
             <a:r>
               <a:rPr lang="en-US" altLang="ko-KR" sz="1400" dirty="0" err="1" smtClean="0"/>
@@ -8398,747 +8248,6 @@
           </a:p>
         </p:txBody>
       </p:sp>
-    </p:spTree>
-  </p:cSld>
-  <p:clrMapOvr>
-    <a:masterClrMapping/>
-  </p:clrMapOvr>
-</p:sld>
-</file>
-
-<file path=ppt/slides/slide26.xml><?xml version="1.0" encoding="utf-8"?>
-<p:sld xmlns:a="http://schemas.openxmlformats.org/drawingml/2006/main" xmlns:r="http://schemas.openxmlformats.org/officeDocument/2006/relationships" xmlns:p="http://schemas.openxmlformats.org/presentationml/2006/main">
-  <p:cSld>
-    <p:spTree>
-      <p:nvGrpSpPr>
-        <p:cNvPr id="1" name=""/>
-        <p:cNvGrpSpPr/>
-        <p:nvPr/>
-      </p:nvGrpSpPr>
-      <p:grpSpPr>
-        <a:xfrm>
-          <a:off x="0" y="0"/>
-          <a:ext cx="0" cy="0"/>
-          <a:chOff x="0" y="0"/>
-          <a:chExt cx="0" cy="0"/>
-        </a:xfrm>
-      </p:grpSpPr>
-      <p:pic>
-        <p:nvPicPr>
-          <p:cNvPr id="1026" name="Picture 2"/>
-          <p:cNvPicPr>
-            <a:picLocks noChangeAspect="1" noChangeArrowheads="1"/>
-          </p:cNvPicPr>
-          <p:nvPr/>
-        </p:nvPicPr>
-        <p:blipFill>
-          <a:blip r:embed="rId2" cstate="print"/>
-          <a:srcRect/>
-          <a:stretch>
-            <a:fillRect/>
-          </a:stretch>
-        </p:blipFill>
-        <p:spPr bwMode="auto">
-          <a:xfrm>
-            <a:off x="0" y="1124744"/>
-            <a:ext cx="9144000" cy="3863662"/>
-          </a:xfrm>
-          <a:prstGeom prst="rect">
-            <a:avLst/>
-          </a:prstGeom>
-          <a:noFill/>
-          <a:ln w="9525">
-            <a:noFill/>
-            <a:miter lim="800000"/>
-            <a:headEnd/>
-            <a:tailEnd/>
-          </a:ln>
-        </p:spPr>
-      </p:pic>
-      <p:sp>
-        <p:nvSpPr>
-          <p:cNvPr id="5" name="직사각형 4"/>
-          <p:cNvSpPr/>
-          <p:nvPr/>
-        </p:nvSpPr>
-        <p:spPr>
-          <a:xfrm>
-            <a:off x="1259632" y="5445224"/>
-            <a:ext cx="7632848" cy="369332"/>
-          </a:xfrm>
-          <a:prstGeom prst="rect">
-            <a:avLst/>
-          </a:prstGeom>
-        </p:spPr>
-        <p:txBody>
-          <a:bodyPr wrap="square">
-            <a:spAutoFit/>
-          </a:bodyPr>
-          <a:lstStyle/>
-          <a:p>
-            <a:pPr algn="just"/>
-            <a:r>
-              <a:rPr lang="ko-KR" altLang="en-US" dirty="0" smtClean="0"/>
-              <a:t>실제 우리가 카메라로 영상을 얻으면</a:t>
-            </a:r>
-            <a:r>
-              <a:rPr lang="en-US" altLang="ko-KR" dirty="0" smtClean="0"/>
-              <a:t>, </a:t>
-            </a:r>
-            <a:r>
-              <a:rPr lang="ko-KR" altLang="en-US" dirty="0" smtClean="0"/>
-              <a:t>다음과 같이 왜곡이 된다</a:t>
-            </a:r>
-            <a:r>
-              <a:rPr lang="en-US" altLang="ko-KR" dirty="0" smtClean="0"/>
-              <a:t>.</a:t>
-            </a:r>
-          </a:p>
-        </p:txBody>
-      </p:sp>
-    </p:spTree>
-  </p:cSld>
-  <p:clrMapOvr>
-    <a:masterClrMapping/>
-  </p:clrMapOvr>
-</p:sld>
-</file>
-
-<file path=ppt/slides/slide27.xml><?xml version="1.0" encoding="utf-8"?>
-<p:sld xmlns:a="http://schemas.openxmlformats.org/drawingml/2006/main" xmlns:r="http://schemas.openxmlformats.org/officeDocument/2006/relationships" xmlns:p="http://schemas.openxmlformats.org/presentationml/2006/main">
-  <p:cSld>
-    <p:spTree>
-      <p:nvGrpSpPr>
-        <p:cNvPr id="1" name=""/>
-        <p:cNvGrpSpPr/>
-        <p:nvPr/>
-      </p:nvGrpSpPr>
-      <p:grpSpPr>
-        <a:xfrm>
-          <a:off x="0" y="0"/>
-          <a:ext cx="0" cy="0"/>
-          <a:chOff x="0" y="0"/>
-          <a:chExt cx="0" cy="0"/>
-        </a:xfrm>
-      </p:grpSpPr>
-      <p:pic>
-        <p:nvPicPr>
-          <p:cNvPr id="2050" name="Picture 2" descr="C:\Users\user\Desktop\방.JPG"/>
-          <p:cNvPicPr>
-            <a:picLocks noChangeAspect="1" noChangeArrowheads="1"/>
-          </p:cNvPicPr>
-          <p:nvPr/>
-        </p:nvPicPr>
-        <p:blipFill>
-          <a:blip r:embed="rId2" cstate="print"/>
-          <a:srcRect l="4054" r="3252"/>
-          <a:stretch>
-            <a:fillRect/>
-          </a:stretch>
-        </p:blipFill>
-        <p:spPr bwMode="auto">
-          <a:xfrm>
-            <a:off x="251520" y="0"/>
-            <a:ext cx="4093408" cy="4077072"/>
-          </a:xfrm>
-          <a:prstGeom prst="rect">
-            <a:avLst/>
-          </a:prstGeom>
-          <a:noFill/>
-        </p:spPr>
-      </p:pic>
-      <p:pic>
-        <p:nvPicPr>
-          <p:cNvPr id="2051" name="Picture 3" descr="C:\Users\user\Desktop\접.JPG"/>
-          <p:cNvPicPr>
-            <a:picLocks noChangeAspect="1" noChangeArrowheads="1"/>
-          </p:cNvPicPr>
-          <p:nvPr/>
-        </p:nvPicPr>
-        <p:blipFill>
-          <a:blip r:embed="rId3" cstate="print"/>
-          <a:srcRect l="8769" t="3913" r="5118" b="3471"/>
-          <a:stretch>
-            <a:fillRect/>
-          </a:stretch>
-        </p:blipFill>
-        <p:spPr bwMode="auto">
-          <a:xfrm>
-            <a:off x="4665870" y="53851"/>
-            <a:ext cx="4298617" cy="4023221"/>
-          </a:xfrm>
-          <a:prstGeom prst="rect">
-            <a:avLst/>
-          </a:prstGeom>
-          <a:noFill/>
-        </p:spPr>
-      </p:pic>
-      <p:sp>
-        <p:nvSpPr>
-          <p:cNvPr id="6" name="직사각형 5"/>
-          <p:cNvSpPr/>
-          <p:nvPr/>
-        </p:nvSpPr>
-        <p:spPr>
-          <a:xfrm>
-            <a:off x="827584" y="4365104"/>
-            <a:ext cx="7632848" cy="646331"/>
-          </a:xfrm>
-          <a:prstGeom prst="rect">
-            <a:avLst/>
-          </a:prstGeom>
-        </p:spPr>
-        <p:txBody>
-          <a:bodyPr wrap="square">
-            <a:spAutoFit/>
-          </a:bodyPr>
-          <a:lstStyle/>
-          <a:p>
-            <a:pPr algn="just"/>
-            <a:r>
-              <a:rPr lang="ko-KR" altLang="en-US" dirty="0" smtClean="0"/>
-              <a:t>방사왜곡 </a:t>
-            </a:r>
-            <a:r>
-              <a:rPr lang="en-US" altLang="ko-KR" dirty="0" smtClean="0"/>
-              <a:t>: </a:t>
-            </a:r>
-            <a:r>
-              <a:rPr lang="ko-KR" altLang="en-US" dirty="0" smtClean="0"/>
-              <a:t>볼록렌즈의 굴절률에 의한 것으로서 아래 그림과 같이 영상의 왜곡 정도가 중심에서의 거리에 의해 결정되는 왜곡</a:t>
-            </a:r>
-            <a:endParaRPr lang="ko-KR" altLang="en-US" dirty="0"/>
-          </a:p>
-        </p:txBody>
-      </p:sp>
-      <p:sp>
-        <p:nvSpPr>
-          <p:cNvPr id="7" name="직사각형 6"/>
-          <p:cNvSpPr/>
-          <p:nvPr/>
-        </p:nvSpPr>
-        <p:spPr>
-          <a:xfrm>
-            <a:off x="827584" y="5445224"/>
-            <a:ext cx="7776864" cy="923330"/>
-          </a:xfrm>
-          <a:prstGeom prst="rect">
-            <a:avLst/>
-          </a:prstGeom>
-        </p:spPr>
-        <p:txBody>
-          <a:bodyPr wrap="square">
-            <a:spAutoFit/>
-          </a:bodyPr>
-          <a:lstStyle/>
-          <a:p>
-            <a:pPr algn="just"/>
-            <a:r>
-              <a:rPr lang="ko-KR" altLang="en-US" dirty="0" smtClean="0"/>
-              <a:t>접선왜곡 </a:t>
-            </a:r>
-            <a:r>
-              <a:rPr lang="en-US" altLang="ko-KR" dirty="0" smtClean="0"/>
-              <a:t>: </a:t>
-            </a:r>
-            <a:r>
-              <a:rPr lang="ko-KR" altLang="en-US" dirty="0" smtClean="0"/>
-              <a:t>카메라 제조</a:t>
-            </a:r>
-            <a:r>
-              <a:rPr lang="en-US" altLang="ko-KR" dirty="0" smtClean="0"/>
-              <a:t>(</a:t>
-            </a:r>
-            <a:r>
-              <a:rPr lang="ko-KR" altLang="en-US" dirty="0" smtClean="0"/>
-              <a:t>조립</a:t>
-            </a:r>
-            <a:r>
-              <a:rPr lang="en-US" altLang="ko-KR" dirty="0" smtClean="0"/>
-              <a:t>)</a:t>
-            </a:r>
-            <a:r>
-              <a:rPr lang="ko-KR" altLang="en-US" dirty="0" smtClean="0"/>
-              <a:t>과정에서 카메라 렌즈와 이미지 센서</a:t>
-            </a:r>
-            <a:r>
-              <a:rPr lang="en-US" altLang="ko-KR" dirty="0" smtClean="0"/>
-              <a:t>(CCD, CMOS)</a:t>
-            </a:r>
-            <a:r>
-              <a:rPr lang="ko-KR" altLang="en-US" dirty="0" smtClean="0"/>
-              <a:t>의 수평이 맞지 않거나</a:t>
-            </a:r>
-            <a:r>
-              <a:rPr lang="en-US" altLang="ko-KR" dirty="0" smtClean="0"/>
-              <a:t>, </a:t>
-            </a:r>
-            <a:r>
-              <a:rPr lang="ko-KR" altLang="en-US" dirty="0" smtClean="0"/>
-              <a:t>렌즈 자체의 </a:t>
-            </a:r>
-            <a:r>
-              <a:rPr lang="en-US" altLang="ko-KR" dirty="0" smtClean="0"/>
-              <a:t>centering</a:t>
-            </a:r>
-            <a:r>
-              <a:rPr lang="ko-KR" altLang="en-US" dirty="0" smtClean="0"/>
-              <a:t>이 맞지 않아서</a:t>
-            </a:r>
-            <a:r>
-              <a:rPr lang="en-US" altLang="ko-KR" dirty="0" smtClean="0"/>
-              <a:t>, </a:t>
-            </a:r>
-            <a:r>
-              <a:rPr lang="ko-KR" altLang="en-US" dirty="0" smtClean="0"/>
-              <a:t>생기는 왜곡</a:t>
-            </a:r>
-            <a:r>
-              <a:rPr lang="en-US" altLang="ko-KR" dirty="0" smtClean="0"/>
-              <a:t>  </a:t>
-            </a:r>
-            <a:endParaRPr lang="ko-KR" altLang="en-US" dirty="0"/>
-          </a:p>
-        </p:txBody>
-      </p:sp>
-    </p:spTree>
-  </p:cSld>
-  <p:clrMapOvr>
-    <a:masterClrMapping/>
-  </p:clrMapOvr>
-</p:sld>
-</file>
-
-<file path=ppt/slides/slide28.xml><?xml version="1.0" encoding="utf-8"?>
-<p:sld xmlns:a="http://schemas.openxmlformats.org/drawingml/2006/main" xmlns:r="http://schemas.openxmlformats.org/officeDocument/2006/relationships" xmlns:p="http://schemas.openxmlformats.org/presentationml/2006/main">
-  <p:cSld>
-    <p:spTree>
-      <p:nvGrpSpPr>
-        <p:cNvPr id="1" name=""/>
-        <p:cNvGrpSpPr/>
-        <p:nvPr/>
-      </p:nvGrpSpPr>
-      <p:grpSpPr>
-        <a:xfrm>
-          <a:off x="0" y="0"/>
-          <a:ext cx="0" cy="0"/>
-          <a:chOff x="0" y="0"/>
-          <a:chExt cx="0" cy="0"/>
-        </a:xfrm>
-      </p:grpSpPr>
-      <p:pic>
-        <p:nvPicPr>
-          <p:cNvPr id="1026" name="Picture 2" descr="C:\Users\user\Desktop\광ㅎㅇ.JPG"/>
-          <p:cNvPicPr>
-            <a:picLocks noChangeAspect="1" noChangeArrowheads="1"/>
-          </p:cNvPicPr>
-          <p:nvPr/>
-        </p:nvPicPr>
-        <p:blipFill>
-          <a:blip r:embed="rId2" cstate="print"/>
-          <a:srcRect/>
-          <a:stretch>
-            <a:fillRect/>
-          </a:stretch>
-        </p:blipFill>
-        <p:spPr bwMode="auto">
-          <a:xfrm>
-            <a:off x="611560" y="0"/>
-            <a:ext cx="7805436" cy="3773388"/>
-          </a:xfrm>
-          <a:prstGeom prst="rect">
-            <a:avLst/>
-          </a:prstGeom>
-          <a:noFill/>
-        </p:spPr>
-      </p:pic>
-      <p:sp>
-        <p:nvSpPr>
-          <p:cNvPr id="5" name="직사각형 4"/>
-          <p:cNvSpPr/>
-          <p:nvPr/>
-        </p:nvSpPr>
-        <p:spPr>
-          <a:xfrm>
-            <a:off x="539552" y="3861048"/>
-            <a:ext cx="8100392" cy="646331"/>
-          </a:xfrm>
-          <a:prstGeom prst="rect">
-            <a:avLst/>
-          </a:prstGeom>
-        </p:spPr>
-        <p:txBody>
-          <a:bodyPr wrap="square">
-            <a:spAutoFit/>
-          </a:bodyPr>
-          <a:lstStyle/>
-          <a:p>
-            <a:r>
-              <a:rPr lang="ko-KR" altLang="en-US" dirty="0" smtClean="0"/>
-              <a:t>일반적으로 렌즈 왜곡의 수학적 모델은 카메라 내부 </a:t>
-            </a:r>
-            <a:r>
-              <a:rPr lang="ko-KR" altLang="en-US" dirty="0" err="1" smtClean="0"/>
-              <a:t>파라미터의</a:t>
-            </a:r>
-            <a:r>
-              <a:rPr lang="ko-KR" altLang="en-US" dirty="0" smtClean="0"/>
-              <a:t> 영향이 제거된 </a:t>
-            </a:r>
-            <a:r>
-              <a:rPr lang="en-US" altLang="ko-KR" dirty="0" smtClean="0"/>
-              <a:t>normalized image plane</a:t>
-            </a:r>
-            <a:r>
-              <a:rPr lang="ko-KR" altLang="en-US" dirty="0" smtClean="0"/>
-              <a:t>에서 정의된다</a:t>
-            </a:r>
-            <a:r>
-              <a:rPr lang="en-US" altLang="ko-KR" dirty="0" smtClean="0"/>
-              <a:t>.</a:t>
-            </a:r>
-            <a:endParaRPr lang="ko-KR" altLang="en-US" dirty="0"/>
-          </a:p>
-        </p:txBody>
-      </p:sp>
-      <p:sp>
-        <p:nvSpPr>
-          <p:cNvPr id="6" name="직사각형 5"/>
-          <p:cNvSpPr/>
-          <p:nvPr/>
-        </p:nvSpPr>
-        <p:spPr>
-          <a:xfrm>
-            <a:off x="5857779" y="6488668"/>
-            <a:ext cx="3286221" cy="369332"/>
-          </a:xfrm>
-          <a:prstGeom prst="rect">
-            <a:avLst/>
-          </a:prstGeom>
-        </p:spPr>
-        <p:txBody>
-          <a:bodyPr wrap="none">
-            <a:spAutoFit/>
-          </a:bodyPr>
-          <a:lstStyle/>
-          <a:p>
-            <a:r>
-              <a:rPr lang="en-US" altLang="ko-KR" dirty="0" smtClean="0"/>
-              <a:t>n: normalized, u: undistorted</a:t>
-            </a:r>
-            <a:endParaRPr lang="ko-KR" altLang="en-US" dirty="0"/>
-          </a:p>
-        </p:txBody>
-      </p:sp>
-      <p:pic>
-        <p:nvPicPr>
-          <p:cNvPr id="1027" name="Picture 3" descr="C:\Users\user\Desktop\1xx.JPG"/>
-          <p:cNvPicPr>
-            <a:picLocks noChangeAspect="1" noChangeArrowheads="1"/>
-          </p:cNvPicPr>
-          <p:nvPr/>
-        </p:nvPicPr>
-        <p:blipFill>
-          <a:blip r:embed="rId3" cstate="print"/>
-          <a:srcRect/>
-          <a:stretch>
-            <a:fillRect/>
-          </a:stretch>
-        </p:blipFill>
-        <p:spPr bwMode="auto">
-          <a:xfrm>
-            <a:off x="3275856" y="4653136"/>
-            <a:ext cx="3105244" cy="1368152"/>
-          </a:xfrm>
-          <a:prstGeom prst="rect">
-            <a:avLst/>
-          </a:prstGeom>
-          <a:noFill/>
-        </p:spPr>
-      </p:pic>
-    </p:spTree>
-  </p:cSld>
-  <p:clrMapOvr>
-    <a:masterClrMapping/>
-  </p:clrMapOvr>
-</p:sld>
-</file>
-
-<file path=ppt/slides/slide29.xml><?xml version="1.0" encoding="utf-8"?>
-<p:sld xmlns:a="http://schemas.openxmlformats.org/drawingml/2006/main" xmlns:r="http://schemas.openxmlformats.org/officeDocument/2006/relationships" xmlns:p="http://schemas.openxmlformats.org/presentationml/2006/main">
-  <p:cSld>
-    <p:spTree>
-      <p:nvGrpSpPr>
-        <p:cNvPr id="1" name=""/>
-        <p:cNvGrpSpPr/>
-        <p:nvPr/>
-      </p:nvGrpSpPr>
-      <p:grpSpPr>
-        <a:xfrm>
-          <a:off x="0" y="0"/>
-          <a:ext cx="0" cy="0"/>
-          <a:chOff x="0" y="0"/>
-          <a:chExt cx="0" cy="0"/>
-        </a:xfrm>
-      </p:grpSpPr>
-      <p:pic>
-        <p:nvPicPr>
-          <p:cNvPr id="4" name="Picture 4" descr="C:\Users\user\Desktop\22x.JPG"/>
-          <p:cNvPicPr>
-            <a:picLocks noChangeAspect="1" noChangeArrowheads="1"/>
-          </p:cNvPicPr>
-          <p:nvPr/>
-        </p:nvPicPr>
-        <p:blipFill>
-          <a:blip r:embed="rId3" cstate="print"/>
-          <a:srcRect/>
-          <a:stretch>
-            <a:fillRect/>
-          </a:stretch>
-        </p:blipFill>
-        <p:spPr bwMode="auto">
-          <a:xfrm>
-            <a:off x="611560" y="3429000"/>
-            <a:ext cx="8254830" cy="1008112"/>
-          </a:xfrm>
-          <a:prstGeom prst="rect">
-            <a:avLst/>
-          </a:prstGeom>
-          <a:noFill/>
-        </p:spPr>
-      </p:pic>
-      <p:pic>
-        <p:nvPicPr>
-          <p:cNvPr id="5" name="Picture 2" descr="C:\Users\user\Desktop\광ㅎㅇ.JPG"/>
-          <p:cNvPicPr>
-            <a:picLocks noChangeAspect="1" noChangeArrowheads="1"/>
-          </p:cNvPicPr>
-          <p:nvPr/>
-        </p:nvPicPr>
-        <p:blipFill>
-          <a:blip r:embed="rId4" cstate="print"/>
-          <a:srcRect/>
-          <a:stretch>
-            <a:fillRect/>
-          </a:stretch>
-        </p:blipFill>
-        <p:spPr bwMode="auto">
-          <a:xfrm>
-            <a:off x="2195736" y="0"/>
-            <a:ext cx="4608512" cy="2227897"/>
-          </a:xfrm>
-          <a:prstGeom prst="rect">
-            <a:avLst/>
-          </a:prstGeom>
-          <a:noFill/>
-        </p:spPr>
-      </p:pic>
-      <p:pic>
-        <p:nvPicPr>
-          <p:cNvPr id="6" name="Picture 3" descr="C:\Users\user\Desktop\1xx.JPG"/>
-          <p:cNvPicPr>
-            <a:picLocks noChangeAspect="1" noChangeArrowheads="1"/>
-          </p:cNvPicPr>
-          <p:nvPr/>
-        </p:nvPicPr>
-        <p:blipFill>
-          <a:blip r:embed="rId5" cstate="print"/>
-          <a:srcRect/>
-          <a:stretch>
-            <a:fillRect/>
-          </a:stretch>
-        </p:blipFill>
-        <p:spPr bwMode="auto">
-          <a:xfrm>
-            <a:off x="683568" y="2276872"/>
-            <a:ext cx="2376264" cy="1046967"/>
-          </a:xfrm>
-          <a:prstGeom prst="rect">
-            <a:avLst/>
-          </a:prstGeom>
-          <a:noFill/>
-        </p:spPr>
-      </p:pic>
-      <p:pic>
-        <p:nvPicPr>
-          <p:cNvPr id="3074" name="Picture 2" descr="C:\Users\user\Desktop\ru.JPG"/>
-          <p:cNvPicPr>
-            <a:picLocks noChangeAspect="1" noChangeArrowheads="1"/>
-          </p:cNvPicPr>
-          <p:nvPr/>
-        </p:nvPicPr>
-        <p:blipFill>
-          <a:blip r:embed="rId6" cstate="print"/>
-          <a:srcRect/>
-          <a:stretch>
-            <a:fillRect/>
-          </a:stretch>
-        </p:blipFill>
-        <p:spPr bwMode="auto">
-          <a:xfrm>
-            <a:off x="838006" y="4437112"/>
-            <a:ext cx="2592288" cy="674915"/>
-          </a:xfrm>
-          <a:prstGeom prst="rect">
-            <a:avLst/>
-          </a:prstGeom>
-          <a:noFill/>
-        </p:spPr>
-      </p:pic>
-      <p:sp>
-        <p:nvSpPr>
-          <p:cNvPr id="8" name="직사각형 7"/>
-          <p:cNvSpPr/>
-          <p:nvPr/>
-        </p:nvSpPr>
-        <p:spPr>
-          <a:xfrm>
-            <a:off x="2206158" y="6488668"/>
-            <a:ext cx="6660232" cy="369332"/>
-          </a:xfrm>
-          <a:prstGeom prst="rect">
-            <a:avLst/>
-          </a:prstGeom>
-        </p:spPr>
-        <p:txBody>
-          <a:bodyPr wrap="square">
-            <a:spAutoFit/>
-          </a:bodyPr>
-          <a:lstStyle/>
-          <a:p>
-            <a:r>
-              <a:rPr lang="en-US" altLang="ko-KR" dirty="0" err="1" smtClean="0"/>
-              <a:t>r</a:t>
-            </a:r>
-            <a:r>
-              <a:rPr lang="en-US" altLang="ko-KR" baseline="-25000" dirty="0" err="1" smtClean="0"/>
-              <a:t>u</a:t>
-            </a:r>
-            <a:r>
-              <a:rPr lang="ko-KR" altLang="en-US" dirty="0" smtClean="0"/>
-              <a:t>는 왜곡이 없을 때의 중심</a:t>
-            </a:r>
-            <a:r>
-              <a:rPr lang="en-US" altLang="ko-KR" dirty="0" smtClean="0"/>
-              <a:t>(principal point)</a:t>
-            </a:r>
-            <a:r>
-              <a:rPr lang="ko-KR" altLang="en-US" dirty="0" smtClean="0"/>
-              <a:t>까지의 거리</a:t>
-            </a:r>
-            <a:r>
-              <a:rPr lang="en-US" altLang="ko-KR" dirty="0" smtClean="0"/>
-              <a:t>(</a:t>
-            </a:r>
-            <a:r>
-              <a:rPr lang="ko-KR" altLang="en-US" dirty="0" smtClean="0"/>
-              <a:t>반지름</a:t>
-            </a:r>
-            <a:r>
-              <a:rPr lang="en-US" altLang="ko-KR" dirty="0" smtClean="0"/>
-              <a:t>)</a:t>
-            </a:r>
-            <a:endParaRPr lang="ko-KR" altLang="en-US" dirty="0"/>
-          </a:p>
-        </p:txBody>
-      </p:sp>
-      <p:sp>
-        <p:nvSpPr>
-          <p:cNvPr id="9" name="직사각형 8"/>
-          <p:cNvSpPr/>
-          <p:nvPr/>
-        </p:nvSpPr>
-        <p:spPr>
-          <a:xfrm>
-            <a:off x="2206158" y="6165304"/>
-            <a:ext cx="5436096" cy="369332"/>
-          </a:xfrm>
-          <a:prstGeom prst="rect">
-            <a:avLst/>
-          </a:prstGeom>
-        </p:spPr>
-        <p:txBody>
-          <a:bodyPr wrap="square">
-            <a:spAutoFit/>
-          </a:bodyPr>
-          <a:lstStyle/>
-          <a:p>
-            <a:r>
-              <a:rPr lang="en-US" altLang="ko-KR" dirty="0" smtClean="0"/>
-              <a:t>(k1, k2, k3</a:t>
-            </a:r>
-            <a:r>
-              <a:rPr lang="ko-KR" altLang="en-US" dirty="0" smtClean="0"/>
-              <a:t>는 방사왜곡계수</a:t>
-            </a:r>
-            <a:r>
-              <a:rPr lang="en-US" altLang="ko-KR" dirty="0" smtClean="0"/>
-              <a:t>, p1, p2</a:t>
-            </a:r>
-            <a:r>
-              <a:rPr lang="ko-KR" altLang="en-US" dirty="0" smtClean="0"/>
-              <a:t>는 접선왜곡계수</a:t>
-            </a:r>
-            <a:r>
-              <a:rPr lang="en-US" altLang="ko-KR" dirty="0" smtClean="0"/>
-              <a:t>)</a:t>
-            </a:r>
-            <a:endParaRPr lang="ko-KR" altLang="en-US" dirty="0"/>
-          </a:p>
-        </p:txBody>
-      </p:sp>
-      <p:pic>
-        <p:nvPicPr>
-          <p:cNvPr id="3075" name="Picture 3" descr="C:\Users\user\Desktop\afe.JPG"/>
-          <p:cNvPicPr>
-            <a:picLocks noChangeAspect="1" noChangeArrowheads="1"/>
-          </p:cNvPicPr>
-          <p:nvPr/>
-        </p:nvPicPr>
-        <p:blipFill>
-          <a:blip r:embed="rId7" cstate="print"/>
-          <a:srcRect/>
-          <a:stretch>
-            <a:fillRect/>
-          </a:stretch>
-        </p:blipFill>
-        <p:spPr bwMode="auto">
-          <a:xfrm>
-            <a:off x="3635896" y="2348880"/>
-            <a:ext cx="3456384" cy="1020456"/>
-          </a:xfrm>
-          <a:prstGeom prst="rect">
-            <a:avLst/>
-          </a:prstGeom>
-          <a:noFill/>
-        </p:spPr>
-      </p:pic>
-      <p:pic>
-        <p:nvPicPr>
-          <p:cNvPr id="3076" name="Picture 4" descr="C:\Users\user\Desktop\pd.JPG"/>
-          <p:cNvPicPr>
-            <a:picLocks noChangeAspect="1" noChangeArrowheads="1"/>
-          </p:cNvPicPr>
-          <p:nvPr/>
-        </p:nvPicPr>
-        <p:blipFill>
-          <a:blip r:embed="rId8" cstate="print"/>
-          <a:srcRect/>
-          <a:stretch>
-            <a:fillRect/>
-          </a:stretch>
-        </p:blipFill>
-        <p:spPr bwMode="auto">
-          <a:xfrm>
-            <a:off x="755576" y="5085184"/>
-            <a:ext cx="3168352" cy="1024114"/>
-          </a:xfrm>
-          <a:prstGeom prst="rect">
-            <a:avLst/>
-          </a:prstGeom>
-          <a:noFill/>
-        </p:spPr>
-      </p:pic>
     </p:spTree>
   </p:cSld>
   <p:clrMapOvr>

--- a/2020년 11월 20일 발표.pptx
+++ b/2020년 11월 20일 발표.pptx
@@ -217,7 +217,7 @@
             <a:fld id="{8D2B75DB-353D-4713-A5E5-344120DF8C42}" type="datetimeFigureOut">
               <a:rPr lang="ko-KR" altLang="en-US" smtClean="0"/>
               <a:pPr/>
-              <a:t>2020-11-20</a:t>
+              <a:t>2020-11-28</a:t>
             </a:fld>
             <a:endParaRPr lang="ko-KR" altLang="en-US"/>
           </a:p>
@@ -665,7 +665,7 @@
             <a:fld id="{1BAABC6E-3866-4FF3-A438-E8BF30CD64C1}" type="datetimeFigureOut">
               <a:rPr lang="ko-KR" altLang="en-US" smtClean="0"/>
               <a:pPr/>
-              <a:t>2020-11-20</a:t>
+              <a:t>2020-11-28</a:t>
             </a:fld>
             <a:endParaRPr lang="ko-KR" altLang="en-US"/>
           </a:p>
@@ -832,7 +832,7 @@
             <a:fld id="{1BAABC6E-3866-4FF3-A438-E8BF30CD64C1}" type="datetimeFigureOut">
               <a:rPr lang="ko-KR" altLang="en-US" smtClean="0"/>
               <a:pPr/>
-              <a:t>2020-11-20</a:t>
+              <a:t>2020-11-28</a:t>
             </a:fld>
             <a:endParaRPr lang="ko-KR" altLang="en-US"/>
           </a:p>
@@ -1009,7 +1009,7 @@
             <a:fld id="{1BAABC6E-3866-4FF3-A438-E8BF30CD64C1}" type="datetimeFigureOut">
               <a:rPr lang="ko-KR" altLang="en-US" smtClean="0"/>
               <a:pPr/>
-              <a:t>2020-11-20</a:t>
+              <a:t>2020-11-28</a:t>
             </a:fld>
             <a:endParaRPr lang="ko-KR" altLang="en-US"/>
           </a:p>
@@ -1176,7 +1176,7 @@
             <a:fld id="{1BAABC6E-3866-4FF3-A438-E8BF30CD64C1}" type="datetimeFigureOut">
               <a:rPr lang="ko-KR" altLang="en-US" smtClean="0"/>
               <a:pPr/>
-              <a:t>2020-11-20</a:t>
+              <a:t>2020-11-28</a:t>
             </a:fld>
             <a:endParaRPr lang="ko-KR" altLang="en-US"/>
           </a:p>
@@ -1419,7 +1419,7 @@
             <a:fld id="{1BAABC6E-3866-4FF3-A438-E8BF30CD64C1}" type="datetimeFigureOut">
               <a:rPr lang="ko-KR" altLang="en-US" smtClean="0"/>
               <a:pPr/>
-              <a:t>2020-11-20</a:t>
+              <a:t>2020-11-28</a:t>
             </a:fld>
             <a:endParaRPr lang="ko-KR" altLang="en-US"/>
           </a:p>
@@ -1704,7 +1704,7 @@
             <a:fld id="{1BAABC6E-3866-4FF3-A438-E8BF30CD64C1}" type="datetimeFigureOut">
               <a:rPr lang="ko-KR" altLang="en-US" smtClean="0"/>
               <a:pPr/>
-              <a:t>2020-11-20</a:t>
+              <a:t>2020-11-28</a:t>
             </a:fld>
             <a:endParaRPr lang="ko-KR" altLang="en-US"/>
           </a:p>
@@ -2123,7 +2123,7 @@
             <a:fld id="{1BAABC6E-3866-4FF3-A438-E8BF30CD64C1}" type="datetimeFigureOut">
               <a:rPr lang="ko-KR" altLang="en-US" smtClean="0"/>
               <a:pPr/>
-              <a:t>2020-11-20</a:t>
+              <a:t>2020-11-28</a:t>
             </a:fld>
             <a:endParaRPr lang="ko-KR" altLang="en-US"/>
           </a:p>
@@ -2238,7 +2238,7 @@
             <a:fld id="{1BAABC6E-3866-4FF3-A438-E8BF30CD64C1}" type="datetimeFigureOut">
               <a:rPr lang="ko-KR" altLang="en-US" smtClean="0"/>
               <a:pPr/>
-              <a:t>2020-11-20</a:t>
+              <a:t>2020-11-28</a:t>
             </a:fld>
             <a:endParaRPr lang="ko-KR" altLang="en-US"/>
           </a:p>
@@ -2330,7 +2330,7 @@
             <a:fld id="{1BAABC6E-3866-4FF3-A438-E8BF30CD64C1}" type="datetimeFigureOut">
               <a:rPr lang="ko-KR" altLang="en-US" smtClean="0"/>
               <a:pPr/>
-              <a:t>2020-11-20</a:t>
+              <a:t>2020-11-28</a:t>
             </a:fld>
             <a:endParaRPr lang="ko-KR" altLang="en-US"/>
           </a:p>
@@ -2604,7 +2604,7 @@
             <a:fld id="{1BAABC6E-3866-4FF3-A438-E8BF30CD64C1}" type="datetimeFigureOut">
               <a:rPr lang="ko-KR" altLang="en-US" smtClean="0"/>
               <a:pPr/>
-              <a:t>2020-11-20</a:t>
+              <a:t>2020-11-28</a:t>
             </a:fld>
             <a:endParaRPr lang="ko-KR" altLang="en-US"/>
           </a:p>
@@ -2854,7 +2854,7 @@
             <a:fld id="{1BAABC6E-3866-4FF3-A438-E8BF30CD64C1}" type="datetimeFigureOut">
               <a:rPr lang="ko-KR" altLang="en-US" smtClean="0"/>
               <a:pPr/>
-              <a:t>2020-11-20</a:t>
+              <a:t>2020-11-28</a:t>
             </a:fld>
             <a:endParaRPr lang="ko-KR" altLang="en-US"/>
           </a:p>
@@ -3064,7 +3064,7 @@
             <a:fld id="{1BAABC6E-3866-4FF3-A438-E8BF30CD64C1}" type="datetimeFigureOut">
               <a:rPr lang="ko-KR" altLang="en-US" smtClean="0"/>
               <a:pPr/>
-              <a:t>2020-11-20</a:t>
+              <a:t>2020-11-28</a:t>
             </a:fld>
             <a:endParaRPr lang="ko-KR" altLang="en-US"/>
           </a:p>
@@ -3538,7 +3538,7 @@
               <a:t> : </a:t>
             </a:r>
             <a:r>
-              <a:rPr lang="ko-KR" altLang="en-US" dirty="0" smtClean="0"/>
+              <a:rPr lang="ko-KR" altLang="en-US" smtClean="0"/>
               <a:t>초점거리</a:t>
             </a:r>
             <a:endParaRPr lang="en-US" altLang="ko-KR" dirty="0" smtClean="0"/>
@@ -4670,11 +4670,7 @@
           <a:p>
             <a:r>
               <a:rPr lang="en-US" altLang="ko-KR" sz="1400" dirty="0" smtClean="0"/>
-              <a:t>P</a:t>
-            </a:r>
-            <a:r>
-              <a:rPr lang="en-US" altLang="ko-KR" sz="1400" dirty="0" smtClean="0"/>
-              <a:t>’’(</a:t>
+              <a:t>P’’(</a:t>
             </a:r>
             <a:r>
               <a:rPr lang="pl-PL" altLang="ko-KR" sz="1400" dirty="0" smtClean="0"/>
